--- a/docs/Presentations/SRS/ANN.pptx
+++ b/docs/Presentations/SRS/ANN.pptx
@@ -274,6 +274,11 @@
       </a:defRPr>
     </a:lvl9pPr>
   </p:defaultTextStyle>
+  <p:extLst>
+    <p:ext uri="{EFAFB233-063F-42B5-8137-9DF3F51BA10A}">
+      <p15:sldGuideLst xmlns:p15="http://schemas.microsoft.com/office/powerpoint/2012/main"/>
+    </p:ext>
+  </p:extLst>
 </p:presentation>
 </file>
 
@@ -14243,7 +14248,7 @@
                 </a:solidFill>
                 <a:latin typeface="Barlow" panose="00000500000000000000" pitchFamily="2" charset="0"/>
               </a:rPr>
-              <a:t>GS1: Predict the class of uploaded image</a:t>
+              <a:t>GS1: Predict the class of uploaded images</a:t>
             </a:r>
             <a:endParaRPr lang="en-CA" dirty="0">
               <a:latin typeface="Barlow" panose="00000500000000000000" pitchFamily="2" charset="0"/>
@@ -14489,7 +14494,7 @@
           <a:lstStyle/>
           <a:p>
             <a:r>
-              <a:rPr lang="en-CA" dirty="0"/>
+              <a:rPr lang="en-CA" b="1" dirty="0"/>
               <a:t>Fully Connected Neural Network:</a:t>
             </a:r>
           </a:p>
@@ -14508,7 +14513,7 @@
           <a:p>
             <a:r>
               <a:rPr lang="en-US" dirty="0"/>
-              <a:t>Hidden Layers: will be decided</a:t>
+              <a:t>Hidden Layers</a:t>
             </a:r>
           </a:p>
         </p:txBody>
@@ -14620,7 +14625,7 @@
         </p:nvSpPr>
         <p:spPr>
           <a:xfrm>
-            <a:off x="1219800" y="2082800"/>
+            <a:off x="1219799" y="2490500"/>
             <a:ext cx="6704400" cy="2207975"/>
           </a:xfrm>
         </p:spPr>
@@ -14746,7 +14751,7 @@
         </p:blipFill>
         <p:spPr>
           <a:xfrm>
-            <a:off x="6589486" y="2303440"/>
+            <a:off x="6589486" y="2597304"/>
             <a:ext cx="1747610" cy="536619"/>
           </a:xfrm>
           <a:prstGeom prst="rect">
@@ -14776,7 +14781,7 @@
         </p:blipFill>
         <p:spPr>
           <a:xfrm>
-            <a:off x="6107339" y="2852758"/>
+            <a:off x="6107339" y="3240726"/>
             <a:ext cx="2229757" cy="422390"/>
           </a:xfrm>
           <a:prstGeom prst="rect">
